--- a/docs/diagrams/LogicComponentSequenceDiagram.pptx
+++ b/docs/diagrams/LogicComponentSequenceDiagram.pptx
@@ -126,10 +126,6 @@
 </p:presentation>
 </file>
 
-<file path=ppt/revisionInfo.xml><?xml version="1.0" encoding="utf-8"?>
-<p1510:revInfo xmlns:a="http://schemas.openxmlformats.org/drawingml/2006/main" xmlns:r="http://schemas.openxmlformats.org/officeDocument/2006/relationships" xmlns:p1510="http://schemas.microsoft.com/office/powerpoint/2015/10/main"/>
-</file>
-
 <file path=ppt/notesMasters/notesMaster1.xml><?xml version="1.0" encoding="utf-8"?>
 <p:notesMaster xmlns:a="http://schemas.openxmlformats.org/drawingml/2006/main" xmlns:r="http://schemas.openxmlformats.org/officeDocument/2006/relationships" xmlns:p="http://schemas.openxmlformats.org/presentationml/2006/main">
   <p:cSld>
@@ -212,7 +208,7 @@
           <a:p>
             <a:fld id="{F5CC4B3F-88C1-4FFA-B1B6-F41C21DC6924}" type="datetimeFigureOut">
               <a:rPr lang="en-US" smtClean="0"/>
-              <a:t>7/11/2017</a:t>
+              <a:t>11/12/2018</a:t>
             </a:fld>
             <a:endParaRPr lang="en-US"/>
           </a:p>
@@ -658,7 +654,7 @@
           <a:p>
             <a:fld id="{78C97017-6FC3-485B-9764-EAC9E56C1D49}" type="datetimeFigureOut">
               <a:rPr lang="en-US" smtClean="0"/>
-              <a:t>7/11/2017</a:t>
+              <a:t>11/12/2018</a:t>
             </a:fld>
             <a:endParaRPr lang="en-US"/>
           </a:p>
@@ -826,7 +822,7 @@
           <a:p>
             <a:fld id="{78C97017-6FC3-485B-9764-EAC9E56C1D49}" type="datetimeFigureOut">
               <a:rPr lang="en-US" smtClean="0"/>
-              <a:t>7/11/2017</a:t>
+              <a:t>11/12/2018</a:t>
             </a:fld>
             <a:endParaRPr lang="en-US"/>
           </a:p>
@@ -1004,7 +1000,7 @@
           <a:p>
             <a:fld id="{78C97017-6FC3-485B-9764-EAC9E56C1D49}" type="datetimeFigureOut">
               <a:rPr lang="en-US" smtClean="0"/>
-              <a:t>7/11/2017</a:t>
+              <a:t>11/12/2018</a:t>
             </a:fld>
             <a:endParaRPr lang="en-US"/>
           </a:p>
@@ -1172,7 +1168,7 @@
           <a:p>
             <a:fld id="{78C97017-6FC3-485B-9764-EAC9E56C1D49}" type="datetimeFigureOut">
               <a:rPr lang="en-US" smtClean="0"/>
-              <a:t>7/11/2017</a:t>
+              <a:t>11/12/2018</a:t>
             </a:fld>
             <a:endParaRPr lang="en-US"/>
           </a:p>
@@ -1417,7 +1413,7 @@
           <a:p>
             <a:fld id="{78C97017-6FC3-485B-9764-EAC9E56C1D49}" type="datetimeFigureOut">
               <a:rPr lang="en-US" smtClean="0"/>
-              <a:t>7/11/2017</a:t>
+              <a:t>11/12/2018</a:t>
             </a:fld>
             <a:endParaRPr lang="en-US"/>
           </a:p>
@@ -1702,7 +1698,7 @@
           <a:p>
             <a:fld id="{78C97017-6FC3-485B-9764-EAC9E56C1D49}" type="datetimeFigureOut">
               <a:rPr lang="en-US" smtClean="0"/>
-              <a:t>7/11/2017</a:t>
+              <a:t>11/12/2018</a:t>
             </a:fld>
             <a:endParaRPr lang="en-US"/>
           </a:p>
@@ -2121,7 +2117,7 @@
           <a:p>
             <a:fld id="{78C97017-6FC3-485B-9764-EAC9E56C1D49}" type="datetimeFigureOut">
               <a:rPr lang="en-US" smtClean="0"/>
-              <a:t>7/11/2017</a:t>
+              <a:t>11/12/2018</a:t>
             </a:fld>
             <a:endParaRPr lang="en-US"/>
           </a:p>
@@ -2238,7 +2234,7 @@
           <a:p>
             <a:fld id="{78C97017-6FC3-485B-9764-EAC9E56C1D49}" type="datetimeFigureOut">
               <a:rPr lang="en-US" smtClean="0"/>
-              <a:t>7/11/2017</a:t>
+              <a:t>11/12/2018</a:t>
             </a:fld>
             <a:endParaRPr lang="en-US"/>
           </a:p>
@@ -2333,7 +2329,7 @@
           <a:p>
             <a:fld id="{78C97017-6FC3-485B-9764-EAC9E56C1D49}" type="datetimeFigureOut">
               <a:rPr lang="en-US" smtClean="0"/>
-              <a:t>7/11/2017</a:t>
+              <a:t>11/12/2018</a:t>
             </a:fld>
             <a:endParaRPr lang="en-US"/>
           </a:p>
@@ -2608,7 +2604,7 @@
           <a:p>
             <a:fld id="{78C97017-6FC3-485B-9764-EAC9E56C1D49}" type="datetimeFigureOut">
               <a:rPr lang="en-US" smtClean="0"/>
-              <a:t>7/11/2017</a:t>
+              <a:t>11/12/2018</a:t>
             </a:fld>
             <a:endParaRPr lang="en-US"/>
           </a:p>
@@ -2860,7 +2856,7 @@
           <a:p>
             <a:fld id="{78C97017-6FC3-485B-9764-EAC9E56C1D49}" type="datetimeFigureOut">
               <a:rPr lang="en-US" smtClean="0"/>
-              <a:t>7/11/2017</a:t>
+              <a:t>11/12/2018</a:t>
             </a:fld>
             <a:endParaRPr lang="en-US"/>
           </a:p>
@@ -3071,7 +3067,7 @@
           <a:p>
             <a:fld id="{78C97017-6FC3-485B-9764-EAC9E56C1D49}" type="datetimeFigureOut">
               <a:rPr lang="en-US" smtClean="0"/>
-              <a:t>7/11/2017</a:t>
+              <a:t>11/12/2018</a:t>
             </a:fld>
             <a:endParaRPr lang="en-US"/>
           </a:p>
@@ -3446,6 +3442,52 @@
           <a:chExt cx="0" cy="0"/>
         </a:xfrm>
       </p:grpSpPr>
+      <p:cxnSp>
+        <p:nvCxnSpPr>
+          <p:cNvPr id="94" name="Straight Connector 93">
+            <a:extLst>
+              <a:ext uri="{FF2B5EF4-FFF2-40B4-BE49-F238E27FC236}">
+                <a16:creationId xmlns:a16="http://schemas.microsoft.com/office/drawing/2014/main" id="{3047D607-3142-499B-AE21-C6F3AE7959FC}"/>
+              </a:ext>
+            </a:extLst>
+          </p:cNvPr>
+          <p:cNvCxnSpPr/>
+          <p:nvPr/>
+        </p:nvCxnSpPr>
+        <p:spPr>
+          <a:xfrm>
+            <a:off x="8777338" y="337301"/>
+            <a:ext cx="0" cy="2830598"/>
+          </a:xfrm>
+          <a:prstGeom prst="line">
+            <a:avLst/>
+          </a:prstGeom>
+          <a:ln w="19050">
+            <a:solidFill>
+              <a:schemeClr val="accent4">
+                <a:lumMod val="60000"/>
+                <a:lumOff val="40000"/>
+              </a:schemeClr>
+            </a:solidFill>
+            <a:prstDash val="sysDash"/>
+          </a:ln>
+          <a:effectLst/>
+        </p:spPr>
+        <p:style>
+          <a:lnRef idx="1">
+            <a:schemeClr val="accent1"/>
+          </a:lnRef>
+          <a:fillRef idx="2">
+            <a:schemeClr val="accent1"/>
+          </a:fillRef>
+          <a:effectRef idx="1">
+            <a:schemeClr val="accent1"/>
+          </a:effectRef>
+          <a:fontRef idx="minor">
+            <a:schemeClr val="dk1"/>
+          </a:fontRef>
+        </p:style>
+      </p:cxnSp>
       <p:sp>
         <p:nvSpPr>
           <p:cNvPr id="81" name="Rectangle 65"/>
@@ -3454,8 +3496,8 @@
         </p:nvSpPr>
         <p:spPr>
           <a:xfrm>
-            <a:off x="685800" y="1981200"/>
-            <a:ext cx="7252956" cy="4000286"/>
+            <a:off x="641595" y="146296"/>
+            <a:ext cx="7252956" cy="6329087"/>
           </a:xfrm>
           <a:prstGeom prst="roundRect">
             <a:avLst>
@@ -3509,24 +3551,30 @@
       </p:sp>
       <p:sp>
         <p:nvSpPr>
-          <p:cNvPr id="2" name="Rectangle 62"/>
+          <p:cNvPr id="47" name="Rectangle 65">
+            <a:extLst>
+              <a:ext uri="{FF2B5EF4-FFF2-40B4-BE49-F238E27FC236}">
+                <a16:creationId xmlns:a16="http://schemas.microsoft.com/office/drawing/2014/main" id="{9D86E5BC-6503-4A26-A8D8-23570AC58D93}"/>
+              </a:ext>
+            </a:extLst>
+          </p:cNvPr>
           <p:cNvSpPr/>
           <p:nvPr/>
         </p:nvSpPr>
         <p:spPr>
           <a:xfrm>
-            <a:off x="845045" y="2296546"/>
-            <a:ext cx="1455629" cy="346760"/>
-          </a:xfrm>
-          <a:prstGeom prst="rect">
-            <a:avLst/>
-          </a:prstGeom>
-          <a:solidFill>
-            <a:srgbClr val="0070C0"/>
-          </a:solidFill>
+            <a:off x="758100" y="2948580"/>
+            <a:ext cx="7086600" cy="3452219"/>
+          </a:xfrm>
+          <a:prstGeom prst="roundRect">
+            <a:avLst>
+              <a:gd name="adj" fmla="val 3484"/>
+            </a:avLst>
+          </a:prstGeom>
+          <a:noFill/>
           <a:ln w="19050">
             <a:solidFill>
-              <a:srgbClr val="0070C0"/>
+              <a:srgbClr val="00B0F0"/>
             </a:solidFill>
           </a:ln>
           <a:effectLst/>
@@ -3546,6 +3594,64 @@
           </a:fontRef>
         </p:style>
         <p:txBody>
+          <a:bodyPr rtlCol="0" anchor="t"/>
+          <a:lstStyle/>
+          <a:p>
+            <a:r>
+              <a:rPr lang="en-US" sz="1200" b="1" dirty="0">
+                <a:solidFill>
+                  <a:srgbClr val="0070C0"/>
+                </a:solidFill>
+              </a:rPr>
+              <a:t>Command Logic</a:t>
+            </a:r>
+            <a:endParaRPr lang="en-SG" sz="1200" b="1" dirty="0">
+              <a:solidFill>
+                <a:srgbClr val="0070C0"/>
+              </a:solidFill>
+            </a:endParaRPr>
+          </a:p>
+        </p:txBody>
+      </p:sp>
+      <p:sp>
+        <p:nvSpPr>
+          <p:cNvPr id="2" name="Rectangle 62"/>
+          <p:cNvSpPr/>
+          <p:nvPr/>
+        </p:nvSpPr>
+        <p:spPr>
+          <a:xfrm>
+            <a:off x="845045" y="3310840"/>
+            <a:ext cx="1455629" cy="346760"/>
+          </a:xfrm>
+          <a:prstGeom prst="rect">
+            <a:avLst/>
+          </a:prstGeom>
+          <a:solidFill>
+            <a:srgbClr val="0070C0"/>
+          </a:solidFill>
+          <a:ln w="19050">
+            <a:solidFill>
+              <a:srgbClr val="0070C0"/>
+            </a:solidFill>
+          </a:ln>
+          <a:effectLst/>
+        </p:spPr>
+        <p:style>
+          <a:lnRef idx="1">
+            <a:schemeClr val="accent2"/>
+          </a:lnRef>
+          <a:fillRef idx="2">
+            <a:schemeClr val="accent2"/>
+          </a:fillRef>
+          <a:effectRef idx="1">
+            <a:schemeClr val="accent2"/>
+          </a:effectRef>
+          <a:fontRef idx="minor">
+            <a:schemeClr val="dk1"/>
+          </a:fontRef>
+        </p:style>
+        <p:txBody>
           <a:bodyPr rtlCol="0" anchor="ctr"/>
           <a:lstStyle/>
           <a:p>
@@ -3577,13 +3683,16 @@
       <p:cxnSp>
         <p:nvCxnSpPr>
           <p:cNvPr id="5" name="Straight Connector 4"/>
-          <p:cNvCxnSpPr/>
+          <p:cNvCxnSpPr>
+            <a:cxnSpLocks/>
+            <a:stCxn id="2" idx="2"/>
+          </p:cNvCxnSpPr>
           <p:nvPr/>
         </p:nvCxnSpPr>
         <p:spPr>
           <a:xfrm>
-            <a:off x="1572859" y="2660217"/>
-            <a:ext cx="0" cy="2597583"/>
+            <a:off x="1572860" y="3657600"/>
+            <a:ext cx="0" cy="2133600"/>
           </a:xfrm>
           <a:prstGeom prst="line">
             <a:avLst/>
@@ -3619,8 +3728,8 @@
         </p:nvSpPr>
         <p:spPr>
           <a:xfrm>
-            <a:off x="1500851" y="3010911"/>
-            <a:ext cx="152400" cy="2780287"/>
+            <a:off x="1508124" y="3886211"/>
+            <a:ext cx="133775" cy="2438388"/>
           </a:xfrm>
           <a:prstGeom prst="rect">
             <a:avLst/>
@@ -3666,7 +3775,7 @@
         </p:nvSpPr>
         <p:spPr>
           <a:xfrm>
-            <a:off x="2743200" y="2179309"/>
+            <a:off x="2674991" y="3188404"/>
             <a:ext cx="1219200" cy="467684"/>
           </a:xfrm>
           <a:prstGeom prst="rect">
@@ -3731,13 +3840,15 @@
       <p:cxnSp>
         <p:nvCxnSpPr>
           <p:cNvPr id="17" name="Straight Connector 16"/>
-          <p:cNvCxnSpPr/>
+          <p:cNvCxnSpPr>
+            <a:cxnSpLocks/>
+          </p:cNvCxnSpPr>
           <p:nvPr/>
         </p:nvCxnSpPr>
         <p:spPr>
           <a:xfrm>
-            <a:off x="3356599" y="2663904"/>
-            <a:ext cx="0" cy="1695374"/>
+            <a:off x="3356599" y="3429000"/>
+            <a:ext cx="0" cy="1463678"/>
           </a:xfrm>
           <a:prstGeom prst="line">
             <a:avLst/>
@@ -3773,8 +3884,8 @@
         </p:nvSpPr>
         <p:spPr>
           <a:xfrm>
-            <a:off x="3284590" y="3122096"/>
-            <a:ext cx="174929" cy="1129459"/>
+            <a:off x="3284591" y="4009365"/>
+            <a:ext cx="139370" cy="775590"/>
           </a:xfrm>
           <a:prstGeom prst="rect">
             <a:avLst/>
@@ -3824,7 +3935,7 @@
         </p:nvSpPr>
         <p:spPr>
           <a:xfrm>
-            <a:off x="6221565" y="3312740"/>
+            <a:off x="6205957" y="4161389"/>
             <a:ext cx="1093635" cy="461538"/>
           </a:xfrm>
           <a:prstGeom prst="rect">
@@ -3894,14 +4005,15 @@
         <p:nvCxnSpPr>
           <p:cNvPr id="20" name="Straight Connector 19"/>
           <p:cNvCxnSpPr>
+            <a:cxnSpLocks/>
             <a:stCxn id="21" idx="0"/>
           </p:cNvCxnSpPr>
           <p:nvPr/>
         </p:nvCxnSpPr>
         <p:spPr>
           <a:xfrm>
-            <a:off x="6772574" y="3774278"/>
-            <a:ext cx="0" cy="1940722"/>
+            <a:off x="6765526" y="4571084"/>
+            <a:ext cx="11210" cy="1856242"/>
           </a:xfrm>
           <a:prstGeom prst="line">
             <a:avLst/>
@@ -3937,8 +4049,8 @@
         </p:nvSpPr>
         <p:spPr>
           <a:xfrm>
-            <a:off x="6696374" y="3774278"/>
-            <a:ext cx="152400" cy="276003"/>
+            <a:off x="6700536" y="4571084"/>
+            <a:ext cx="129980" cy="191523"/>
           </a:xfrm>
           <a:prstGeom prst="rect">
             <a:avLst/>
@@ -3984,7 +4096,7 @@
         </p:nvCxnSpPr>
         <p:spPr>
           <a:xfrm>
-            <a:off x="381000" y="3014599"/>
+            <a:off x="381000" y="3928999"/>
             <a:ext cx="1119851" cy="0"/>
           </a:xfrm>
           <a:prstGeom prst="straightConnector1">
@@ -4020,7 +4132,7 @@
         </p:nvCxnSpPr>
         <p:spPr>
           <a:xfrm flipV="1">
-            <a:off x="1653251" y="3122097"/>
+            <a:off x="1653251" y="4038599"/>
             <a:ext cx="1596514" cy="1"/>
           </a:xfrm>
           <a:prstGeom prst="straightConnector1">
@@ -4056,7 +4168,7 @@
         </p:nvSpPr>
         <p:spPr>
           <a:xfrm>
-            <a:off x="0" y="2743200"/>
+            <a:off x="44511" y="3945395"/>
             <a:ext cx="1424846" cy="215444"/>
           </a:xfrm>
           <a:prstGeom prst="rect">
@@ -4090,7 +4202,7 @@
         </p:nvCxnSpPr>
         <p:spPr>
           <a:xfrm flipV="1">
-            <a:off x="5257218" y="3703214"/>
+            <a:off x="5274677" y="4515537"/>
             <a:ext cx="922392" cy="1"/>
           </a:xfrm>
           <a:prstGeom prst="straightConnector1">
@@ -4126,7 +4238,7 @@
         </p:nvSpPr>
         <p:spPr>
           <a:xfrm>
-            <a:off x="4257582" y="4251556"/>
+            <a:off x="3949367" y="4805667"/>
             <a:ext cx="855809" cy="215444"/>
           </a:xfrm>
           <a:prstGeom prst="rect">
@@ -4166,7 +4278,7 @@
         </p:nvCxnSpPr>
         <p:spPr>
           <a:xfrm>
-            <a:off x="5257800" y="4050281"/>
+            <a:off x="5265790" y="4710381"/>
             <a:ext cx="1492974" cy="0"/>
           </a:xfrm>
           <a:prstGeom prst="straightConnector1">
@@ -4204,7 +4316,7 @@
         </p:nvCxnSpPr>
         <p:spPr>
           <a:xfrm flipV="1">
-            <a:off x="1670186" y="4243231"/>
+            <a:off x="1670186" y="4776631"/>
             <a:ext cx="1596514" cy="5378"/>
           </a:xfrm>
           <a:prstGeom prst="straightConnector1">
@@ -4242,7 +4354,7 @@
         </p:nvCxnSpPr>
         <p:spPr>
           <a:xfrm>
-            <a:off x="304800" y="5791200"/>
+            <a:off x="304800" y="6324600"/>
             <a:ext cx="1196051" cy="0"/>
           </a:xfrm>
           <a:prstGeom prst="straightConnector1">
@@ -4280,7 +4392,7 @@
         </p:nvSpPr>
         <p:spPr>
           <a:xfrm>
-            <a:off x="8265896" y="2362200"/>
+            <a:off x="8265896" y="2895600"/>
             <a:ext cx="1030504" cy="346760"/>
           </a:xfrm>
           <a:prstGeom prst="rect">
@@ -4345,7 +4457,7 @@
         </p:nvCxnSpPr>
         <p:spPr>
           <a:xfrm>
-            <a:off x="1653251" y="4495317"/>
+            <a:off x="1653251" y="5028717"/>
             <a:ext cx="5043123" cy="0"/>
           </a:xfrm>
           <a:prstGeom prst="straightConnector1">
@@ -4381,7 +4493,7 @@
         </p:nvSpPr>
         <p:spPr>
           <a:xfrm>
-            <a:off x="6687452" y="4467000"/>
+            <a:off x="6687452" y="5000400"/>
             <a:ext cx="161322" cy="1019400"/>
           </a:xfrm>
           <a:prstGeom prst="rect">
@@ -4428,7 +4540,7 @@
         </p:nvCxnSpPr>
         <p:spPr>
           <a:xfrm>
-            <a:off x="8781148" y="2700858"/>
+            <a:off x="8781148" y="3234258"/>
             <a:ext cx="0" cy="2830598"/>
           </a:xfrm>
           <a:prstGeom prst="line">
@@ -4468,7 +4580,7 @@
         </p:nvSpPr>
         <p:spPr>
           <a:xfrm>
-            <a:off x="8686800" y="4524597"/>
+            <a:off x="8686800" y="5057997"/>
             <a:ext cx="152400" cy="199803"/>
           </a:xfrm>
           <a:prstGeom prst="rect">
@@ -4525,7 +4637,7 @@
         </p:nvCxnSpPr>
         <p:spPr>
           <a:xfrm>
-            <a:off x="6850663" y="4524597"/>
+            <a:off x="6850663" y="5057997"/>
             <a:ext cx="1836137" cy="0"/>
           </a:xfrm>
           <a:prstGeom prst="straightConnector1">
@@ -4561,7 +4673,7 @@
         </p:nvCxnSpPr>
         <p:spPr>
           <a:xfrm flipV="1">
-            <a:off x="6848774" y="4714650"/>
+            <a:off x="6848774" y="5248050"/>
             <a:ext cx="1838026" cy="9750"/>
           </a:xfrm>
           <a:prstGeom prst="straightConnector1">
@@ -4602,7 +4714,7 @@
         </p:nvCxnSpPr>
         <p:spPr>
           <a:xfrm>
-            <a:off x="1653251" y="5486400"/>
+            <a:off x="1653251" y="6019800"/>
             <a:ext cx="5052349" cy="0"/>
           </a:xfrm>
           <a:prstGeom prst="straightConnector1">
@@ -4640,7 +4752,7 @@
         </p:nvSpPr>
         <p:spPr>
           <a:xfrm>
-            <a:off x="6984957" y="4267200"/>
+            <a:off x="6984957" y="4800600"/>
             <a:ext cx="1424846" cy="215444"/>
           </a:xfrm>
           <a:prstGeom prst="rect">
@@ -4692,7 +4804,7 @@
         </p:nvSpPr>
         <p:spPr>
           <a:xfrm>
-            <a:off x="3847551" y="3657600"/>
+            <a:off x="3703878" y="4480102"/>
             <a:ext cx="767033" cy="184666"/>
           </a:xfrm>
           <a:prstGeom prst="rect">
@@ -4732,7 +4844,7 @@
         </p:nvSpPr>
         <p:spPr>
           <a:xfrm>
-            <a:off x="1742982" y="2850922"/>
+            <a:off x="1742982" y="3767424"/>
             <a:ext cx="1424846" cy="215444"/>
           </a:xfrm>
           <a:prstGeom prst="rect">
@@ -4772,7 +4884,7 @@
         </p:nvSpPr>
         <p:spPr>
           <a:xfrm>
-            <a:off x="4340137" y="5255323"/>
+            <a:off x="4340137" y="5788723"/>
             <a:ext cx="621216" cy="215444"/>
           </a:xfrm>
           <a:prstGeom prst="rect">
@@ -4812,7 +4924,7 @@
         </p:nvSpPr>
         <p:spPr>
           <a:xfrm>
-            <a:off x="599983" y="5538488"/>
+            <a:off x="599983" y="6071888"/>
             <a:ext cx="762000" cy="215444"/>
           </a:xfrm>
           <a:prstGeom prst="rect">
@@ -4852,7 +4964,7 @@
         </p:nvSpPr>
         <p:spPr>
           <a:xfrm>
-            <a:off x="7020246" y="4777286"/>
+            <a:off x="7020246" y="5310686"/>
             <a:ext cx="1590354" cy="461538"/>
           </a:xfrm>
           <a:prstGeom prst="rect">
@@ -4919,7 +5031,7 @@
         </p:nvSpPr>
         <p:spPr>
           <a:xfrm>
-            <a:off x="7777323" y="5238824"/>
+            <a:off x="7777323" y="5772224"/>
             <a:ext cx="152400" cy="171376"/>
           </a:xfrm>
           <a:prstGeom prst="rect">
@@ -4966,7 +5078,7 @@
         </p:nvCxnSpPr>
         <p:spPr>
           <a:xfrm>
-            <a:off x="6858000" y="5410200"/>
+            <a:off x="6858000" y="5943600"/>
             <a:ext cx="966624" cy="0"/>
           </a:xfrm>
           <a:prstGeom prst="straightConnector1">
@@ -5004,7 +5116,7 @@
         </p:nvSpPr>
         <p:spPr>
           <a:xfrm>
-            <a:off x="2673845" y="4027787"/>
+            <a:off x="2673845" y="4561187"/>
             <a:ext cx="220343" cy="215444"/>
           </a:xfrm>
           <a:prstGeom prst="rect">
@@ -5044,7 +5156,7 @@
         </p:nvSpPr>
         <p:spPr>
           <a:xfrm>
-            <a:off x="4231981" y="2929839"/>
+            <a:off x="4236704" y="3803502"/>
             <a:ext cx="1778201" cy="432035"/>
           </a:xfrm>
           <a:prstGeom prst="rect">
@@ -5127,7 +5239,7 @@
         </p:nvCxnSpPr>
         <p:spPr>
           <a:xfrm>
-            <a:off x="3462591" y="3657600"/>
+            <a:off x="3462591" y="4495800"/>
             <a:ext cx="1597356" cy="1"/>
           </a:xfrm>
           <a:prstGeom prst="straightConnector1">
@@ -5161,7 +5273,7 @@
         </p:nvSpPr>
         <p:spPr>
           <a:xfrm>
-            <a:off x="5059947" y="3352800"/>
+            <a:off x="5059947" y="4232961"/>
             <a:ext cx="205843" cy="123165"/>
           </a:xfrm>
           <a:prstGeom prst="rect">
@@ -5204,14 +5316,15 @@
         <p:nvCxnSpPr>
           <p:cNvPr id="46" name="Straight Connector 45"/>
           <p:cNvCxnSpPr>
+            <a:cxnSpLocks/>
             <a:stCxn id="45" idx="0"/>
           </p:cNvCxnSpPr>
           <p:nvPr/>
         </p:nvCxnSpPr>
         <p:spPr>
           <a:xfrm>
-            <a:off x="5162869" y="3352800"/>
-            <a:ext cx="0" cy="990600"/>
+            <a:off x="5162869" y="4232961"/>
+            <a:ext cx="0" cy="643839"/>
           </a:xfrm>
           <a:prstGeom prst="line">
             <a:avLst/>
@@ -5247,8 +5360,8 @@
         </p:nvSpPr>
         <p:spPr>
           <a:xfrm>
-            <a:off x="5059947" y="3657601"/>
-            <a:ext cx="205843" cy="533400"/>
+            <a:off x="5059947" y="4501244"/>
+            <a:ext cx="205843" cy="223156"/>
           </a:xfrm>
           <a:prstGeom prst="rect">
             <a:avLst/>
@@ -5289,13 +5402,15 @@
       <p:cxnSp>
         <p:nvCxnSpPr>
           <p:cNvPr id="51" name="Straight Arrow Connector 50"/>
-          <p:cNvCxnSpPr/>
+          <p:cNvCxnSpPr>
+            <a:cxnSpLocks/>
+          </p:cNvCxnSpPr>
           <p:nvPr/>
         </p:nvCxnSpPr>
         <p:spPr>
-          <a:xfrm>
-            <a:off x="3499382" y="4185073"/>
-            <a:ext cx="1667219" cy="0"/>
+          <a:xfrm flipV="1">
+            <a:off x="3407733" y="4699204"/>
+            <a:ext cx="1707082" cy="14517"/>
           </a:xfrm>
           <a:prstGeom prst="straightConnector1">
             <a:avLst/>
@@ -5332,7 +5447,7 @@
         </p:nvCxnSpPr>
         <p:spPr>
           <a:xfrm>
-            <a:off x="6858000" y="5029200"/>
+            <a:off x="6858000" y="5562600"/>
             <a:ext cx="162246" cy="0"/>
           </a:xfrm>
           <a:prstGeom prst="straightConnector1">
@@ -5366,7 +5481,7 @@
         </p:nvCxnSpPr>
         <p:spPr>
           <a:xfrm>
-            <a:off x="3412425" y="3173004"/>
+            <a:off x="3430993" y="4058742"/>
             <a:ext cx="819556" cy="1"/>
           </a:xfrm>
           <a:prstGeom prst="straightConnector1">
@@ -5402,7 +5517,7 @@
         </p:nvCxnSpPr>
         <p:spPr>
           <a:xfrm>
-            <a:off x="3459519" y="3475965"/>
+            <a:off x="3433237" y="4353561"/>
             <a:ext cx="1600428" cy="0"/>
           </a:xfrm>
           <a:prstGeom prst="straightConnector1">
@@ -5440,7 +5555,7 @@
         </p:nvSpPr>
         <p:spPr>
           <a:xfrm>
-            <a:off x="5033665" y="4199590"/>
+            <a:off x="5036134" y="4764174"/>
             <a:ext cx="258404" cy="261610"/>
           </a:xfrm>
           <a:prstGeom prst="rect">
@@ -5465,6 +5580,1279 @@
           </a:p>
         </p:txBody>
       </p:sp>
+      <p:sp>
+        <p:nvSpPr>
+          <p:cNvPr id="48" name="Rectangle 65">
+            <a:extLst>
+              <a:ext uri="{FF2B5EF4-FFF2-40B4-BE49-F238E27FC236}">
+                <a16:creationId xmlns:a16="http://schemas.microsoft.com/office/drawing/2014/main" id="{2FC9F11C-3B99-4C92-9611-9F4A910E3693}"/>
+              </a:ext>
+            </a:extLst>
+          </p:cNvPr>
+          <p:cNvSpPr/>
+          <p:nvPr/>
+        </p:nvSpPr>
+        <p:spPr>
+          <a:xfrm>
+            <a:off x="762000" y="521404"/>
+            <a:ext cx="7062624" cy="2291016"/>
+          </a:xfrm>
+          <a:prstGeom prst="roundRect">
+            <a:avLst>
+              <a:gd name="adj" fmla="val 3484"/>
+            </a:avLst>
+          </a:prstGeom>
+          <a:noFill/>
+          <a:ln w="19050">
+            <a:solidFill>
+              <a:srgbClr val="00B0F0"/>
+            </a:solidFill>
+          </a:ln>
+          <a:effectLst/>
+        </p:spPr>
+        <p:style>
+          <a:lnRef idx="1">
+            <a:schemeClr val="accent2"/>
+          </a:lnRef>
+          <a:fillRef idx="2">
+            <a:schemeClr val="accent2"/>
+          </a:fillRef>
+          <a:effectRef idx="1">
+            <a:schemeClr val="accent2"/>
+          </a:effectRef>
+          <a:fontRef idx="minor">
+            <a:schemeClr val="dk1"/>
+          </a:fontRef>
+        </p:style>
+        <p:txBody>
+          <a:bodyPr rtlCol="0" anchor="t"/>
+          <a:lstStyle/>
+          <a:p>
+            <a:r>
+              <a:rPr lang="en-US" sz="1200" b="1" dirty="0">
+                <a:solidFill>
+                  <a:srgbClr val="0070C0"/>
+                </a:solidFill>
+              </a:rPr>
+              <a:t>Suggestion Logic</a:t>
+            </a:r>
+            <a:endParaRPr lang="en-SG" sz="1200" b="1" dirty="0">
+              <a:solidFill>
+                <a:srgbClr val="0070C0"/>
+              </a:solidFill>
+            </a:endParaRPr>
+          </a:p>
+        </p:txBody>
+      </p:sp>
+      <p:sp>
+        <p:nvSpPr>
+          <p:cNvPr id="58" name="Rectangle 62">
+            <a:extLst>
+              <a:ext uri="{FF2B5EF4-FFF2-40B4-BE49-F238E27FC236}">
+                <a16:creationId xmlns:a16="http://schemas.microsoft.com/office/drawing/2014/main" id="{CA94B4D8-654A-4260-BF3B-FA0EA42BF510}"/>
+              </a:ext>
+            </a:extLst>
+          </p:cNvPr>
+          <p:cNvSpPr/>
+          <p:nvPr/>
+        </p:nvSpPr>
+        <p:spPr>
+          <a:xfrm>
+            <a:off x="2111587" y="632407"/>
+            <a:ext cx="1498105" cy="462591"/>
+          </a:xfrm>
+          <a:prstGeom prst="rect">
+            <a:avLst/>
+          </a:prstGeom>
+          <a:solidFill>
+            <a:srgbClr val="0070C0"/>
+          </a:solidFill>
+          <a:ln w="19050">
+            <a:solidFill>
+              <a:srgbClr val="0070C0"/>
+            </a:solidFill>
+          </a:ln>
+          <a:effectLst/>
+        </p:spPr>
+        <p:style>
+          <a:lnRef idx="1">
+            <a:schemeClr val="accent2"/>
+          </a:lnRef>
+          <a:fillRef idx="2">
+            <a:schemeClr val="accent2"/>
+          </a:fillRef>
+          <a:effectRef idx="1">
+            <a:schemeClr val="accent2"/>
+          </a:effectRef>
+          <a:fontRef idx="minor">
+            <a:schemeClr val="dk1"/>
+          </a:fontRef>
+        </p:style>
+        <p:txBody>
+          <a:bodyPr rtlCol="0" anchor="ctr"/>
+          <a:lstStyle/>
+          <a:p>
+            <a:pPr algn="ctr"/>
+            <a:r>
+              <a:rPr lang="en-US" sz="1600" dirty="0">
+                <a:solidFill>
+                  <a:schemeClr val="bg1"/>
+                </a:solidFill>
+              </a:rPr>
+              <a:t>:Suggestion</a:t>
+            </a:r>
+          </a:p>
+          <a:p>
+            <a:pPr algn="ctr"/>
+            <a:r>
+              <a:rPr lang="en-US" sz="1600" dirty="0" err="1">
+                <a:solidFill>
+                  <a:schemeClr val="bg1"/>
+                </a:solidFill>
+              </a:rPr>
+              <a:t>LogicManager</a:t>
+            </a:r>
+            <a:endParaRPr lang="en-SG" sz="1600" dirty="0">
+              <a:solidFill>
+                <a:schemeClr val="bg1"/>
+              </a:solidFill>
+            </a:endParaRPr>
+          </a:p>
+        </p:txBody>
+      </p:sp>
+      <p:cxnSp>
+        <p:nvCxnSpPr>
+          <p:cNvPr id="59" name="Straight Connector 58">
+            <a:extLst>
+              <a:ext uri="{FF2B5EF4-FFF2-40B4-BE49-F238E27FC236}">
+                <a16:creationId xmlns:a16="http://schemas.microsoft.com/office/drawing/2014/main" id="{06B640F1-D521-4631-933C-6F9687B8CC17}"/>
+              </a:ext>
+            </a:extLst>
+          </p:cNvPr>
+          <p:cNvCxnSpPr>
+            <a:cxnSpLocks/>
+          </p:cNvCxnSpPr>
+          <p:nvPr/>
+        </p:nvCxnSpPr>
+        <p:spPr>
+          <a:xfrm>
+            <a:off x="2860640" y="1109886"/>
+            <a:ext cx="7620" cy="414400"/>
+          </a:xfrm>
+          <a:prstGeom prst="line">
+            <a:avLst/>
+          </a:prstGeom>
+          <a:ln w="19050">
+            <a:solidFill>
+              <a:srgbClr val="0070C0"/>
+            </a:solidFill>
+            <a:prstDash val="sysDash"/>
+          </a:ln>
+          <a:effectLst/>
+        </p:spPr>
+        <p:style>
+          <a:lnRef idx="1">
+            <a:schemeClr val="accent1"/>
+          </a:lnRef>
+          <a:fillRef idx="2">
+            <a:schemeClr val="accent1"/>
+          </a:fillRef>
+          <a:effectRef idx="1">
+            <a:schemeClr val="accent1"/>
+          </a:effectRef>
+          <a:fontRef idx="minor">
+            <a:schemeClr val="dk1"/>
+          </a:fontRef>
+        </p:style>
+      </p:cxnSp>
+      <p:sp>
+        <p:nvSpPr>
+          <p:cNvPr id="63" name="Rectangle 62">
+            <a:extLst>
+              <a:ext uri="{FF2B5EF4-FFF2-40B4-BE49-F238E27FC236}">
+                <a16:creationId xmlns:a16="http://schemas.microsoft.com/office/drawing/2014/main" id="{E23A0A2B-A8DC-4430-8D13-6EB537D0E84F}"/>
+              </a:ext>
+            </a:extLst>
+          </p:cNvPr>
+          <p:cNvSpPr/>
+          <p:nvPr/>
+        </p:nvSpPr>
+        <p:spPr>
+          <a:xfrm>
+            <a:off x="2803526" y="1204821"/>
+            <a:ext cx="102818" cy="1494514"/>
+          </a:xfrm>
+          <a:prstGeom prst="rect">
+            <a:avLst/>
+          </a:prstGeom>
+          <a:solidFill>
+            <a:srgbClr val="0070C0"/>
+          </a:solidFill>
+          <a:ln>
+            <a:solidFill>
+              <a:srgbClr val="0070C0"/>
+            </a:solidFill>
+          </a:ln>
+          <a:effectLst/>
+        </p:spPr>
+        <p:style>
+          <a:lnRef idx="1">
+            <a:schemeClr val="accent3"/>
+          </a:lnRef>
+          <a:fillRef idx="2">
+            <a:schemeClr val="accent3"/>
+          </a:fillRef>
+          <a:effectRef idx="1">
+            <a:schemeClr val="accent3"/>
+          </a:effectRef>
+          <a:fontRef idx="minor">
+            <a:schemeClr val="dk1"/>
+          </a:fontRef>
+        </p:style>
+        <p:txBody>
+          <a:bodyPr rtlCol="0" anchor="ctr"/>
+          <a:lstStyle/>
+          <a:p>
+            <a:pPr algn="ctr"/>
+            <a:endParaRPr lang="en-SG" sz="1400"/>
+          </a:p>
+        </p:txBody>
+      </p:sp>
+      <p:cxnSp>
+        <p:nvCxnSpPr>
+          <p:cNvPr id="66" name="Straight Arrow Connector 65">
+            <a:extLst>
+              <a:ext uri="{FF2B5EF4-FFF2-40B4-BE49-F238E27FC236}">
+                <a16:creationId xmlns:a16="http://schemas.microsoft.com/office/drawing/2014/main" id="{1CC6E293-94FB-4C1A-974D-AB00B7A30764}"/>
+              </a:ext>
+            </a:extLst>
+          </p:cNvPr>
+          <p:cNvCxnSpPr>
+            <a:cxnSpLocks/>
+          </p:cNvCxnSpPr>
+          <p:nvPr/>
+        </p:nvCxnSpPr>
+        <p:spPr>
+          <a:xfrm>
+            <a:off x="304800" y="1204822"/>
+            <a:ext cx="2491451" cy="14664"/>
+          </a:xfrm>
+          <a:prstGeom prst="straightConnector1">
+            <a:avLst/>
+          </a:prstGeom>
+          <a:ln w="19050">
+            <a:solidFill>
+              <a:srgbClr val="00B050"/>
+            </a:solidFill>
+            <a:tailEnd type="arrow"/>
+          </a:ln>
+        </p:spPr>
+        <p:style>
+          <a:lnRef idx="1">
+            <a:schemeClr val="accent1"/>
+          </a:lnRef>
+          <a:fillRef idx="0">
+            <a:schemeClr val="accent1"/>
+          </a:fillRef>
+          <a:effectRef idx="0">
+            <a:schemeClr val="accent1"/>
+          </a:effectRef>
+          <a:fontRef idx="minor">
+            <a:schemeClr val="tx1"/>
+          </a:fontRef>
+        </p:style>
+      </p:cxnSp>
+      <p:sp>
+        <p:nvSpPr>
+          <p:cNvPr id="67" name="TextBox 66">
+            <a:extLst>
+              <a:ext uri="{FF2B5EF4-FFF2-40B4-BE49-F238E27FC236}">
+                <a16:creationId xmlns:a16="http://schemas.microsoft.com/office/drawing/2014/main" id="{EDEA7B99-F54D-43D3-91C3-14294C331358}"/>
+              </a:ext>
+            </a:extLst>
+          </p:cNvPr>
+          <p:cNvSpPr txBox="1"/>
+          <p:nvPr/>
+        </p:nvSpPr>
+        <p:spPr>
+          <a:xfrm>
+            <a:off x="198971" y="962851"/>
+            <a:ext cx="1564024" cy="215444"/>
+          </a:xfrm>
+          <a:prstGeom prst="rect">
+            <a:avLst/>
+          </a:prstGeom>
+          <a:noFill/>
+        </p:spPr>
+        <p:txBody>
+          <a:bodyPr wrap="square" lIns="0" tIns="0" rIns="0" bIns="0" rtlCol="0">
+            <a:spAutoFit/>
+          </a:bodyPr>
+          <a:lstStyle/>
+          <a:p>
+            <a:pPr algn="r"/>
+            <a:r>
+              <a:rPr lang="en-US" sz="1400" dirty="0">
+                <a:solidFill>
+                  <a:srgbClr val="0070C0"/>
+                </a:solidFill>
+              </a:rPr>
+              <a:t>evaluate(“edit 1 </a:t>
+            </a:r>
+            <a:r>
+              <a:rPr lang="en-US" sz="1400" dirty="0" err="1">
+                <a:solidFill>
+                  <a:srgbClr val="0070C0"/>
+                </a:solidFill>
+              </a:rPr>
+              <a:t>i</a:t>
+            </a:r>
+            <a:r>
+              <a:rPr lang="en-US" sz="1400" dirty="0">
+                <a:solidFill>
+                  <a:srgbClr val="0070C0"/>
+                </a:solidFill>
+              </a:rPr>
+              <a:t>/”)</a:t>
+            </a:r>
+          </a:p>
+        </p:txBody>
+      </p:sp>
+      <p:cxnSp>
+        <p:nvCxnSpPr>
+          <p:cNvPr id="68" name="Straight Arrow Connector 67">
+            <a:extLst>
+              <a:ext uri="{FF2B5EF4-FFF2-40B4-BE49-F238E27FC236}">
+                <a16:creationId xmlns:a16="http://schemas.microsoft.com/office/drawing/2014/main" id="{8E5149B9-EEBB-4506-AD01-945DA2FE80E4}"/>
+              </a:ext>
+            </a:extLst>
+          </p:cNvPr>
+          <p:cNvCxnSpPr>
+            <a:cxnSpLocks/>
+          </p:cNvCxnSpPr>
+          <p:nvPr/>
+        </p:nvCxnSpPr>
+        <p:spPr>
+          <a:xfrm flipV="1">
+            <a:off x="2941515" y="1298043"/>
+            <a:ext cx="1691851" cy="1"/>
+          </a:xfrm>
+          <a:prstGeom prst="straightConnector1">
+            <a:avLst/>
+          </a:prstGeom>
+          <a:ln w="19050">
+            <a:solidFill>
+              <a:srgbClr val="0070C0"/>
+            </a:solidFill>
+            <a:tailEnd type="arrow"/>
+          </a:ln>
+        </p:spPr>
+        <p:style>
+          <a:lnRef idx="1">
+            <a:schemeClr val="accent1"/>
+          </a:lnRef>
+          <a:fillRef idx="0">
+            <a:schemeClr val="accent1"/>
+          </a:fillRef>
+          <a:effectRef idx="0">
+            <a:schemeClr val="accent1"/>
+          </a:effectRef>
+          <a:fontRef idx="minor">
+            <a:schemeClr val="tx1"/>
+          </a:fontRef>
+        </p:style>
+      </p:cxnSp>
+      <p:sp>
+        <p:nvSpPr>
+          <p:cNvPr id="69" name="Rectangle 62">
+            <a:extLst>
+              <a:ext uri="{FF2B5EF4-FFF2-40B4-BE49-F238E27FC236}">
+                <a16:creationId xmlns:a16="http://schemas.microsoft.com/office/drawing/2014/main" id="{A8CA68C8-6C5C-40C7-BECE-9D335740A746}"/>
+              </a:ext>
+            </a:extLst>
+          </p:cNvPr>
+          <p:cNvSpPr/>
+          <p:nvPr/>
+        </p:nvSpPr>
+        <p:spPr>
+          <a:xfrm>
+            <a:off x="4624382" y="941802"/>
+            <a:ext cx="1618509" cy="474161"/>
+          </a:xfrm>
+          <a:prstGeom prst="rect">
+            <a:avLst/>
+          </a:prstGeom>
+          <a:solidFill>
+            <a:srgbClr val="0070C0"/>
+          </a:solidFill>
+          <a:ln w="19050">
+            <a:solidFill>
+              <a:srgbClr val="0070C0"/>
+            </a:solidFill>
+          </a:ln>
+          <a:effectLst/>
+        </p:spPr>
+        <p:style>
+          <a:lnRef idx="1">
+            <a:schemeClr val="accent2"/>
+          </a:lnRef>
+          <a:fillRef idx="2">
+            <a:schemeClr val="accent2"/>
+          </a:fillRef>
+          <a:effectRef idx="1">
+            <a:schemeClr val="accent2"/>
+          </a:effectRef>
+          <a:fontRef idx="minor">
+            <a:schemeClr val="dk1"/>
+          </a:fontRef>
+        </p:style>
+        <p:txBody>
+          <a:bodyPr rtlCol="0" anchor="ctr"/>
+          <a:lstStyle/>
+          <a:p>
+            <a:pPr algn="ctr"/>
+            <a:r>
+              <a:rPr lang="en-US" sz="1600" dirty="0">
+                <a:solidFill>
+                  <a:schemeClr val="bg1"/>
+                </a:solidFill>
+              </a:rPr>
+              <a:t>:</a:t>
+            </a:r>
+            <a:r>
+              <a:rPr lang="en-US" sz="1600" dirty="0" err="1">
+                <a:solidFill>
+                  <a:schemeClr val="bg1"/>
+                </a:solidFill>
+              </a:rPr>
+              <a:t>CopyExisting</a:t>
+            </a:r>
+            <a:endParaRPr lang="en-US" sz="1600" dirty="0">
+              <a:solidFill>
+                <a:schemeClr val="bg1"/>
+              </a:solidFill>
+            </a:endParaRPr>
+          </a:p>
+          <a:p>
+            <a:pPr algn="ctr"/>
+            <a:r>
+              <a:rPr lang="en-US" sz="1600" dirty="0">
+                <a:solidFill>
+                  <a:schemeClr val="bg1"/>
+                </a:solidFill>
+              </a:rPr>
+              <a:t>Suggestion</a:t>
+            </a:r>
+            <a:endParaRPr lang="en-SG" sz="1600" dirty="0">
+              <a:solidFill>
+                <a:schemeClr val="bg1"/>
+              </a:solidFill>
+            </a:endParaRPr>
+          </a:p>
+        </p:txBody>
+      </p:sp>
+      <p:sp>
+        <p:nvSpPr>
+          <p:cNvPr id="70" name="Rectangle 69">
+            <a:extLst>
+              <a:ext uri="{FF2B5EF4-FFF2-40B4-BE49-F238E27FC236}">
+                <a16:creationId xmlns:a16="http://schemas.microsoft.com/office/drawing/2014/main" id="{A8935B81-8AB0-426C-A075-261AADF5CDBE}"/>
+              </a:ext>
+            </a:extLst>
+          </p:cNvPr>
+          <p:cNvSpPr/>
+          <p:nvPr/>
+        </p:nvSpPr>
+        <p:spPr>
+          <a:xfrm>
+            <a:off x="5347491" y="1397907"/>
+            <a:ext cx="138909" cy="176737"/>
+          </a:xfrm>
+          <a:prstGeom prst="rect">
+            <a:avLst/>
+          </a:prstGeom>
+          <a:solidFill>
+            <a:srgbClr val="0070C0"/>
+          </a:solidFill>
+          <a:ln>
+            <a:solidFill>
+              <a:srgbClr val="0070C0"/>
+            </a:solidFill>
+          </a:ln>
+          <a:effectLst/>
+        </p:spPr>
+        <p:style>
+          <a:lnRef idx="1">
+            <a:schemeClr val="accent3"/>
+          </a:lnRef>
+          <a:fillRef idx="2">
+            <a:schemeClr val="accent3"/>
+          </a:fillRef>
+          <a:effectRef idx="1">
+            <a:schemeClr val="accent3"/>
+          </a:effectRef>
+          <a:fontRef idx="minor">
+            <a:schemeClr val="dk1"/>
+          </a:fontRef>
+        </p:style>
+        <p:txBody>
+          <a:bodyPr rtlCol="0" anchor="ctr"/>
+          <a:lstStyle/>
+          <a:p>
+            <a:pPr algn="ctr"/>
+            <a:endParaRPr lang="en-SG" sz="1400"/>
+          </a:p>
+        </p:txBody>
+      </p:sp>
+      <p:cxnSp>
+        <p:nvCxnSpPr>
+          <p:cNvPr id="72" name="Straight Arrow Connector 71">
+            <a:extLst>
+              <a:ext uri="{FF2B5EF4-FFF2-40B4-BE49-F238E27FC236}">
+                <a16:creationId xmlns:a16="http://schemas.microsoft.com/office/drawing/2014/main" id="{D04A4424-ED17-4C79-AA33-C5DB64612878}"/>
+              </a:ext>
+            </a:extLst>
+          </p:cNvPr>
+          <p:cNvCxnSpPr>
+            <a:cxnSpLocks/>
+          </p:cNvCxnSpPr>
+          <p:nvPr/>
+        </p:nvCxnSpPr>
+        <p:spPr>
+          <a:xfrm>
+            <a:off x="2909872" y="1511929"/>
+            <a:ext cx="2500328" cy="1114"/>
+          </a:xfrm>
+          <a:prstGeom prst="straightConnector1">
+            <a:avLst/>
+          </a:prstGeom>
+          <a:ln w="19050">
+            <a:solidFill>
+              <a:srgbClr val="0070C0"/>
+            </a:solidFill>
+            <a:prstDash val="sysDash"/>
+            <a:headEnd type="arrow" w="med" len="med"/>
+            <a:tailEnd type="none" w="med" len="med"/>
+          </a:ln>
+        </p:spPr>
+        <p:style>
+          <a:lnRef idx="1">
+            <a:schemeClr val="accent1"/>
+          </a:lnRef>
+          <a:fillRef idx="0">
+            <a:schemeClr val="accent1"/>
+          </a:fillRef>
+          <a:effectRef idx="0">
+            <a:schemeClr val="accent1"/>
+          </a:effectRef>
+          <a:fontRef idx="minor">
+            <a:schemeClr val="tx1"/>
+          </a:fontRef>
+        </p:style>
+      </p:cxnSp>
+      <p:cxnSp>
+        <p:nvCxnSpPr>
+          <p:cNvPr id="74" name="Straight Connector 73">
+            <a:extLst>
+              <a:ext uri="{FF2B5EF4-FFF2-40B4-BE49-F238E27FC236}">
+                <a16:creationId xmlns:a16="http://schemas.microsoft.com/office/drawing/2014/main" id="{1F0340D1-695C-4FD4-9D1B-C9D257E781A1}"/>
+              </a:ext>
+            </a:extLst>
+          </p:cNvPr>
+          <p:cNvCxnSpPr>
+            <a:cxnSpLocks/>
+          </p:cNvCxnSpPr>
+          <p:nvPr/>
+        </p:nvCxnSpPr>
+        <p:spPr>
+          <a:xfrm>
+            <a:off x="5410201" y="1295686"/>
+            <a:ext cx="0" cy="609600"/>
+          </a:xfrm>
+          <a:prstGeom prst="line">
+            <a:avLst/>
+          </a:prstGeom>
+          <a:ln w="19050">
+            <a:solidFill>
+              <a:srgbClr val="0070C0"/>
+            </a:solidFill>
+            <a:prstDash val="sysDash"/>
+          </a:ln>
+          <a:effectLst/>
+        </p:spPr>
+        <p:style>
+          <a:lnRef idx="1">
+            <a:schemeClr val="accent1"/>
+          </a:lnRef>
+          <a:fillRef idx="2">
+            <a:schemeClr val="accent1"/>
+          </a:fillRef>
+          <a:effectRef idx="1">
+            <a:schemeClr val="accent1"/>
+          </a:effectRef>
+          <a:fontRef idx="minor">
+            <a:schemeClr val="dk1"/>
+          </a:fontRef>
+        </p:style>
+      </p:cxnSp>
+      <p:sp>
+        <p:nvSpPr>
+          <p:cNvPr id="85" name="Rectangle 84">
+            <a:extLst>
+              <a:ext uri="{FF2B5EF4-FFF2-40B4-BE49-F238E27FC236}">
+                <a16:creationId xmlns:a16="http://schemas.microsoft.com/office/drawing/2014/main" id="{F66F1BE0-2658-4537-94A8-9879CF79420E}"/>
+              </a:ext>
+            </a:extLst>
+          </p:cNvPr>
+          <p:cNvSpPr/>
+          <p:nvPr/>
+        </p:nvSpPr>
+        <p:spPr>
+          <a:xfrm>
+            <a:off x="5347491" y="1719615"/>
+            <a:ext cx="120405" cy="979720"/>
+          </a:xfrm>
+          <a:prstGeom prst="rect">
+            <a:avLst/>
+          </a:prstGeom>
+          <a:solidFill>
+            <a:srgbClr val="0070C0"/>
+          </a:solidFill>
+          <a:ln>
+            <a:solidFill>
+              <a:srgbClr val="0070C0"/>
+            </a:solidFill>
+          </a:ln>
+          <a:effectLst/>
+        </p:spPr>
+        <p:style>
+          <a:lnRef idx="1">
+            <a:schemeClr val="accent3"/>
+          </a:lnRef>
+          <a:fillRef idx="2">
+            <a:schemeClr val="accent3"/>
+          </a:fillRef>
+          <a:effectRef idx="1">
+            <a:schemeClr val="accent3"/>
+          </a:effectRef>
+          <a:fontRef idx="minor">
+            <a:schemeClr val="dk1"/>
+          </a:fontRef>
+        </p:style>
+        <p:txBody>
+          <a:bodyPr rtlCol="0" anchor="ctr"/>
+          <a:lstStyle/>
+          <a:p>
+            <a:pPr algn="ctr"/>
+            <a:endParaRPr lang="en-SG" sz="1400"/>
+          </a:p>
+        </p:txBody>
+      </p:sp>
+      <p:cxnSp>
+        <p:nvCxnSpPr>
+          <p:cNvPr id="87" name="Straight Arrow Connector 86">
+            <a:extLst>
+              <a:ext uri="{FF2B5EF4-FFF2-40B4-BE49-F238E27FC236}">
+                <a16:creationId xmlns:a16="http://schemas.microsoft.com/office/drawing/2014/main" id="{C1CF239A-FF92-4B3D-ACC7-2F41E22011D6}"/>
+              </a:ext>
+            </a:extLst>
+          </p:cNvPr>
+          <p:cNvCxnSpPr>
+            <a:cxnSpLocks/>
+          </p:cNvCxnSpPr>
+          <p:nvPr/>
+        </p:nvCxnSpPr>
+        <p:spPr>
+          <a:xfrm>
+            <a:off x="2803525" y="1752600"/>
+            <a:ext cx="2543966" cy="0"/>
+          </a:xfrm>
+          <a:prstGeom prst="straightConnector1">
+            <a:avLst/>
+          </a:prstGeom>
+          <a:ln w="19050">
+            <a:solidFill>
+              <a:srgbClr val="0070C0"/>
+            </a:solidFill>
+            <a:tailEnd type="arrow"/>
+          </a:ln>
+        </p:spPr>
+        <p:style>
+          <a:lnRef idx="1">
+            <a:schemeClr val="accent1"/>
+          </a:lnRef>
+          <a:fillRef idx="0">
+            <a:schemeClr val="accent1"/>
+          </a:fillRef>
+          <a:effectRef idx="0">
+            <a:schemeClr val="accent1"/>
+          </a:effectRef>
+          <a:fontRef idx="minor">
+            <a:schemeClr val="tx1"/>
+          </a:fontRef>
+        </p:style>
+      </p:cxnSp>
+      <p:sp>
+        <p:nvSpPr>
+          <p:cNvPr id="88" name="TextBox 87">
+            <a:extLst>
+              <a:ext uri="{FF2B5EF4-FFF2-40B4-BE49-F238E27FC236}">
+                <a16:creationId xmlns:a16="http://schemas.microsoft.com/office/drawing/2014/main" id="{72F8B8A0-DF4F-49F2-A139-D9DC4BB8F9D0}"/>
+              </a:ext>
+            </a:extLst>
+          </p:cNvPr>
+          <p:cNvSpPr txBox="1"/>
+          <p:nvPr/>
+        </p:nvSpPr>
+        <p:spPr>
+          <a:xfrm>
+            <a:off x="3558249" y="1554330"/>
+            <a:ext cx="855809" cy="215444"/>
+          </a:xfrm>
+          <a:prstGeom prst="rect">
+            <a:avLst/>
+          </a:prstGeom>
+          <a:noFill/>
+        </p:spPr>
+        <p:txBody>
+          <a:bodyPr wrap="square" lIns="0" tIns="0" rIns="0" bIns="0" rtlCol="0">
+            <a:spAutoFit/>
+          </a:bodyPr>
+          <a:lstStyle>
+            <a:defPPr>
+              <a:defRPr lang="en-US"/>
+            </a:defPPr>
+            <a:lvl1pPr algn="r">
+              <a:defRPr sz="1400">
+                <a:solidFill>
+                  <a:srgbClr val="0070C0"/>
+                </a:solidFill>
+              </a:defRPr>
+            </a:lvl1pPr>
+          </a:lstStyle>
+          <a:p>
+            <a:r>
+              <a:rPr lang="en-US" dirty="0"/>
+              <a:t>evaluate()</a:t>
+            </a:r>
+          </a:p>
+        </p:txBody>
+      </p:sp>
+      <p:cxnSp>
+        <p:nvCxnSpPr>
+          <p:cNvPr id="89" name="Straight Arrow Connector 88">
+            <a:extLst>
+              <a:ext uri="{FF2B5EF4-FFF2-40B4-BE49-F238E27FC236}">
+                <a16:creationId xmlns:a16="http://schemas.microsoft.com/office/drawing/2014/main" id="{99301C06-1DE1-444A-AE3D-49411E97DD11}"/>
+              </a:ext>
+            </a:extLst>
+          </p:cNvPr>
+          <p:cNvCxnSpPr>
+            <a:cxnSpLocks/>
+          </p:cNvCxnSpPr>
+          <p:nvPr/>
+        </p:nvCxnSpPr>
+        <p:spPr>
+          <a:xfrm>
+            <a:off x="2894188" y="2667000"/>
+            <a:ext cx="2501350" cy="0"/>
+          </a:xfrm>
+          <a:prstGeom prst="straightConnector1">
+            <a:avLst/>
+          </a:prstGeom>
+          <a:ln w="19050">
+            <a:solidFill>
+              <a:srgbClr val="0070C0"/>
+            </a:solidFill>
+            <a:prstDash val="sysDash"/>
+            <a:headEnd type="arrow" w="med" len="med"/>
+            <a:tailEnd type="none" w="med" len="med"/>
+          </a:ln>
+        </p:spPr>
+        <p:style>
+          <a:lnRef idx="1">
+            <a:schemeClr val="accent1"/>
+          </a:lnRef>
+          <a:fillRef idx="0">
+            <a:schemeClr val="accent1"/>
+          </a:fillRef>
+          <a:effectRef idx="0">
+            <a:schemeClr val="accent1"/>
+          </a:effectRef>
+          <a:fontRef idx="minor">
+            <a:schemeClr val="tx1"/>
+          </a:fontRef>
+        </p:style>
+      </p:cxnSp>
+      <p:sp>
+        <p:nvSpPr>
+          <p:cNvPr id="91" name="TextBox 90">
+            <a:extLst>
+              <a:ext uri="{FF2B5EF4-FFF2-40B4-BE49-F238E27FC236}">
+                <a16:creationId xmlns:a16="http://schemas.microsoft.com/office/drawing/2014/main" id="{7FBEE7D5-8198-478B-A3A7-0C6CF3571753}"/>
+              </a:ext>
+            </a:extLst>
+          </p:cNvPr>
+          <p:cNvSpPr txBox="1"/>
+          <p:nvPr/>
+        </p:nvSpPr>
+        <p:spPr>
+          <a:xfrm>
+            <a:off x="3646857" y="2436404"/>
+            <a:ext cx="621216" cy="215444"/>
+          </a:xfrm>
+          <a:prstGeom prst="rect">
+            <a:avLst/>
+          </a:prstGeom>
+          <a:noFill/>
+        </p:spPr>
+        <p:txBody>
+          <a:bodyPr wrap="square" lIns="0" tIns="0" rIns="0" bIns="0" rtlCol="0">
+            <a:spAutoFit/>
+          </a:bodyPr>
+          <a:lstStyle>
+            <a:defPPr>
+              <a:defRPr lang="en-US"/>
+            </a:defPPr>
+            <a:lvl1pPr algn="r">
+              <a:defRPr sz="1400">
+                <a:solidFill>
+                  <a:srgbClr val="0070C0"/>
+                </a:solidFill>
+              </a:defRPr>
+            </a:lvl1pPr>
+          </a:lstStyle>
+          <a:p>
+            <a:r>
+              <a:rPr lang="en-US" dirty="0"/>
+              <a:t>result</a:t>
+            </a:r>
+          </a:p>
+        </p:txBody>
+      </p:sp>
+      <p:sp>
+        <p:nvSpPr>
+          <p:cNvPr id="95" name="Rectangle 94">
+            <a:extLst>
+              <a:ext uri="{FF2B5EF4-FFF2-40B4-BE49-F238E27FC236}">
+                <a16:creationId xmlns:a16="http://schemas.microsoft.com/office/drawing/2014/main" id="{F0AFC4D5-E6E0-491A-931A-3BB7B379AB26}"/>
+              </a:ext>
+            </a:extLst>
+          </p:cNvPr>
+          <p:cNvSpPr/>
+          <p:nvPr/>
+        </p:nvSpPr>
+        <p:spPr>
+          <a:xfrm>
+            <a:off x="8681856" y="1694057"/>
+            <a:ext cx="157343" cy="287143"/>
+          </a:xfrm>
+          <a:prstGeom prst="rect">
+            <a:avLst/>
+          </a:prstGeom>
+          <a:solidFill>
+            <a:schemeClr val="accent4">
+              <a:lumMod val="60000"/>
+              <a:lumOff val="40000"/>
+            </a:schemeClr>
+          </a:solidFill>
+          <a:ln>
+            <a:solidFill>
+              <a:schemeClr val="accent4">
+                <a:lumMod val="60000"/>
+                <a:lumOff val="40000"/>
+              </a:schemeClr>
+            </a:solidFill>
+          </a:ln>
+          <a:effectLst/>
+        </p:spPr>
+        <p:style>
+          <a:lnRef idx="1">
+            <a:schemeClr val="accent3"/>
+          </a:lnRef>
+          <a:fillRef idx="2">
+            <a:schemeClr val="accent3"/>
+          </a:fillRef>
+          <a:effectRef idx="1">
+            <a:schemeClr val="accent3"/>
+          </a:effectRef>
+          <a:fontRef idx="minor">
+            <a:schemeClr val="dk1"/>
+          </a:fontRef>
+        </p:style>
+        <p:txBody>
+          <a:bodyPr rtlCol="0" anchor="ctr"/>
+          <a:lstStyle/>
+          <a:p>
+            <a:pPr algn="ctr"/>
+            <a:endParaRPr lang="en-SG" sz="1400">
+              <a:solidFill>
+                <a:schemeClr val="dk1"/>
+              </a:solidFill>
+            </a:endParaRPr>
+          </a:p>
+        </p:txBody>
+      </p:sp>
+      <p:sp>
+        <p:nvSpPr>
+          <p:cNvPr id="96" name="Rectangle 95">
+            <a:extLst>
+              <a:ext uri="{FF2B5EF4-FFF2-40B4-BE49-F238E27FC236}">
+                <a16:creationId xmlns:a16="http://schemas.microsoft.com/office/drawing/2014/main" id="{7B4F8C42-71F7-4F34-9A5E-E5BE60D48A68}"/>
+              </a:ext>
+            </a:extLst>
+          </p:cNvPr>
+          <p:cNvSpPr/>
+          <p:nvPr/>
+        </p:nvSpPr>
+        <p:spPr>
+          <a:xfrm>
+            <a:off x="7742151" y="2476015"/>
+            <a:ext cx="152400" cy="171376"/>
+          </a:xfrm>
+          <a:prstGeom prst="rect">
+            <a:avLst/>
+          </a:prstGeom>
+          <a:solidFill>
+            <a:srgbClr val="0070C0"/>
+          </a:solidFill>
+          <a:ln>
+            <a:solidFill>
+              <a:srgbClr val="0070C0"/>
+            </a:solidFill>
+          </a:ln>
+          <a:effectLst/>
+        </p:spPr>
+        <p:style>
+          <a:lnRef idx="1">
+            <a:schemeClr val="accent3"/>
+          </a:lnRef>
+          <a:fillRef idx="2">
+            <a:schemeClr val="accent3"/>
+          </a:fillRef>
+          <a:effectRef idx="1">
+            <a:schemeClr val="accent3"/>
+          </a:effectRef>
+          <a:fontRef idx="minor">
+            <a:schemeClr val="dk1"/>
+          </a:fontRef>
+        </p:style>
+        <p:txBody>
+          <a:bodyPr rtlCol="0" anchor="ctr"/>
+          <a:lstStyle/>
+          <a:p>
+            <a:pPr algn="ctr"/>
+            <a:endParaRPr lang="en-SG" sz="1400"/>
+          </a:p>
+        </p:txBody>
+      </p:sp>
+      <p:sp>
+        <p:nvSpPr>
+          <p:cNvPr id="92" name="Rectangle 62">
+            <a:extLst>
+              <a:ext uri="{FF2B5EF4-FFF2-40B4-BE49-F238E27FC236}">
+                <a16:creationId xmlns:a16="http://schemas.microsoft.com/office/drawing/2014/main" id="{62564CAD-CA27-4463-B302-187752309D12}"/>
+              </a:ext>
+            </a:extLst>
+          </p:cNvPr>
+          <p:cNvSpPr/>
+          <p:nvPr/>
+        </p:nvSpPr>
+        <p:spPr>
+          <a:xfrm>
+            <a:off x="6974079" y="2029842"/>
+            <a:ext cx="1660985" cy="459447"/>
+          </a:xfrm>
+          <a:prstGeom prst="rect">
+            <a:avLst/>
+          </a:prstGeom>
+          <a:solidFill>
+            <a:srgbClr val="0070C0"/>
+          </a:solidFill>
+          <a:ln w="19050">
+            <a:solidFill>
+              <a:srgbClr val="0070C0"/>
+            </a:solidFill>
+          </a:ln>
+          <a:effectLst/>
+        </p:spPr>
+        <p:style>
+          <a:lnRef idx="1">
+            <a:schemeClr val="accent2"/>
+          </a:lnRef>
+          <a:fillRef idx="2">
+            <a:schemeClr val="accent2"/>
+          </a:fillRef>
+          <a:effectRef idx="1">
+            <a:schemeClr val="accent2"/>
+          </a:effectRef>
+          <a:fontRef idx="minor">
+            <a:schemeClr val="dk1"/>
+          </a:fontRef>
+        </p:style>
+        <p:txBody>
+          <a:bodyPr rtlCol="0" anchor="ctr"/>
+          <a:lstStyle/>
+          <a:p>
+            <a:pPr algn="ctr"/>
+            <a:r>
+              <a:rPr lang="en-US" sz="1600" dirty="0" err="1">
+                <a:solidFill>
+                  <a:schemeClr val="bg1"/>
+                </a:solidFill>
+              </a:rPr>
+              <a:t>result:SuggestionResult</a:t>
+            </a:r>
+            <a:endParaRPr lang="en-SG" sz="1600" dirty="0">
+              <a:solidFill>
+                <a:schemeClr val="bg1"/>
+              </a:solidFill>
+            </a:endParaRPr>
+          </a:p>
+        </p:txBody>
+      </p:sp>
+      <p:cxnSp>
+        <p:nvCxnSpPr>
+          <p:cNvPr id="97" name="Straight Arrow Connector 96">
+            <a:extLst>
+              <a:ext uri="{FF2B5EF4-FFF2-40B4-BE49-F238E27FC236}">
+                <a16:creationId xmlns:a16="http://schemas.microsoft.com/office/drawing/2014/main" id="{27D55771-C809-4E3C-87A4-54A193044138}"/>
+              </a:ext>
+            </a:extLst>
+          </p:cNvPr>
+          <p:cNvCxnSpPr>
+            <a:cxnSpLocks/>
+          </p:cNvCxnSpPr>
+          <p:nvPr/>
+        </p:nvCxnSpPr>
+        <p:spPr>
+          <a:xfrm flipV="1">
+            <a:off x="5406009" y="1751945"/>
+            <a:ext cx="3275848" cy="14232"/>
+          </a:xfrm>
+          <a:prstGeom prst="straightConnector1">
+            <a:avLst/>
+          </a:prstGeom>
+          <a:ln w="19050">
+            <a:solidFill>
+              <a:srgbClr val="0070C0"/>
+            </a:solidFill>
+            <a:tailEnd type="arrow"/>
+          </a:ln>
+        </p:spPr>
+        <p:style>
+          <a:lnRef idx="1">
+            <a:schemeClr val="accent1"/>
+          </a:lnRef>
+          <a:fillRef idx="0">
+            <a:schemeClr val="accent1"/>
+          </a:fillRef>
+          <a:effectRef idx="0">
+            <a:schemeClr val="accent1"/>
+          </a:effectRef>
+          <a:fontRef idx="minor">
+            <a:schemeClr val="tx1"/>
+          </a:fontRef>
+        </p:style>
+      </p:cxnSp>
+      <p:cxnSp>
+        <p:nvCxnSpPr>
+          <p:cNvPr id="99" name="Straight Arrow Connector 98">
+            <a:extLst>
+              <a:ext uri="{FF2B5EF4-FFF2-40B4-BE49-F238E27FC236}">
+                <a16:creationId xmlns:a16="http://schemas.microsoft.com/office/drawing/2014/main" id="{E531615E-0657-4C72-8779-EE020CC7C6DC}"/>
+              </a:ext>
+            </a:extLst>
+          </p:cNvPr>
+          <p:cNvCxnSpPr>
+            <a:cxnSpLocks/>
+          </p:cNvCxnSpPr>
+          <p:nvPr/>
+        </p:nvCxnSpPr>
+        <p:spPr>
+          <a:xfrm>
+            <a:off x="5467896" y="1950038"/>
+            <a:ext cx="3212825" cy="2091"/>
+          </a:xfrm>
+          <a:prstGeom prst="straightConnector1">
+            <a:avLst/>
+          </a:prstGeom>
+          <a:ln w="19050">
+            <a:solidFill>
+              <a:schemeClr val="accent4">
+                <a:lumMod val="60000"/>
+                <a:lumOff val="40000"/>
+              </a:schemeClr>
+            </a:solidFill>
+            <a:prstDash val="sysDash"/>
+            <a:headEnd type="arrow" w="med" len="med"/>
+            <a:tailEnd type="none" w="med" len="med"/>
+          </a:ln>
+        </p:spPr>
+        <p:style>
+          <a:lnRef idx="1">
+            <a:schemeClr val="accent1"/>
+          </a:lnRef>
+          <a:fillRef idx="0">
+            <a:schemeClr val="accent1"/>
+          </a:fillRef>
+          <a:effectRef idx="0">
+            <a:schemeClr val="accent1"/>
+          </a:effectRef>
+          <a:fontRef idx="minor">
+            <a:schemeClr val="tx1"/>
+          </a:fontRef>
+        </p:style>
+      </p:cxnSp>
+      <p:sp>
+        <p:nvSpPr>
+          <p:cNvPr id="101" name="TextBox 100">
+            <a:extLst>
+              <a:ext uri="{FF2B5EF4-FFF2-40B4-BE49-F238E27FC236}">
+                <a16:creationId xmlns:a16="http://schemas.microsoft.com/office/drawing/2014/main" id="{9376EEB5-592A-4188-AAB1-1BF647B42A0D}"/>
+              </a:ext>
+            </a:extLst>
+          </p:cNvPr>
+          <p:cNvSpPr txBox="1"/>
+          <p:nvPr/>
+        </p:nvSpPr>
+        <p:spPr>
+          <a:xfrm>
+            <a:off x="6281846" y="1499214"/>
+            <a:ext cx="2330189" cy="215444"/>
+          </a:xfrm>
+          <a:prstGeom prst="rect">
+            <a:avLst/>
+          </a:prstGeom>
+          <a:noFill/>
+        </p:spPr>
+        <p:txBody>
+          <a:bodyPr wrap="square" lIns="0" tIns="0" rIns="0" bIns="0" rtlCol="0">
+            <a:spAutoFit/>
+          </a:bodyPr>
+          <a:lstStyle>
+            <a:defPPr>
+              <a:defRPr lang="en-US"/>
+            </a:defPPr>
+            <a:lvl1pPr algn="r">
+              <a:defRPr sz="1400">
+                <a:solidFill>
+                  <a:srgbClr val="0070C0"/>
+                </a:solidFill>
+              </a:defRPr>
+            </a:lvl1pPr>
+          </a:lstStyle>
+          <a:p>
+            <a:r>
+              <a:rPr lang="en-US" dirty="0" err="1">
+                <a:solidFill>
+                  <a:srgbClr val="7030A0"/>
+                </a:solidFill>
+              </a:rPr>
+              <a:t>getFilteredAndSortedIssueList</a:t>
+            </a:r>
+            <a:r>
+              <a:rPr lang="en-US" dirty="0">
+                <a:solidFill>
+                  <a:srgbClr val="7030A0"/>
+                </a:solidFill>
+              </a:rPr>
+              <a:t>()</a:t>
+            </a:r>
+          </a:p>
+        </p:txBody>
+      </p:sp>
+      <p:cxnSp>
+        <p:nvCxnSpPr>
+          <p:cNvPr id="104" name="Straight Arrow Connector 103">
+            <a:extLst>
+              <a:ext uri="{FF2B5EF4-FFF2-40B4-BE49-F238E27FC236}">
+                <a16:creationId xmlns:a16="http://schemas.microsoft.com/office/drawing/2014/main" id="{CD92328E-C873-4DAC-A00B-F3EE24AB0C1D}"/>
+              </a:ext>
+            </a:extLst>
+          </p:cNvPr>
+          <p:cNvCxnSpPr>
+            <a:cxnSpLocks/>
+            <a:endCxn id="92" idx="1"/>
+          </p:cNvCxnSpPr>
+          <p:nvPr/>
+        </p:nvCxnSpPr>
+        <p:spPr>
+          <a:xfrm flipV="1">
+            <a:off x="5486400" y="2259566"/>
+            <a:ext cx="1487679" cy="1177"/>
+          </a:xfrm>
+          <a:prstGeom prst="straightConnector1">
+            <a:avLst/>
+          </a:prstGeom>
+          <a:ln w="19050">
+            <a:solidFill>
+              <a:srgbClr val="0070C0"/>
+            </a:solidFill>
+            <a:tailEnd type="arrow"/>
+          </a:ln>
+        </p:spPr>
+        <p:style>
+          <a:lnRef idx="1">
+            <a:schemeClr val="accent1"/>
+          </a:lnRef>
+          <a:fillRef idx="0">
+            <a:schemeClr val="accent1"/>
+          </a:fillRef>
+          <a:effectRef idx="0">
+            <a:schemeClr val="accent1"/>
+          </a:effectRef>
+          <a:fontRef idx="minor">
+            <a:schemeClr val="tx1"/>
+          </a:fontRef>
+        </p:style>
+      </p:cxnSp>
+      <p:cxnSp>
+        <p:nvCxnSpPr>
+          <p:cNvPr id="112" name="Straight Arrow Connector 111">
+            <a:extLst>
+              <a:ext uri="{FF2B5EF4-FFF2-40B4-BE49-F238E27FC236}">
+                <a16:creationId xmlns:a16="http://schemas.microsoft.com/office/drawing/2014/main" id="{92963BF9-A7E4-4285-B07C-56CAEBA30E29}"/>
+              </a:ext>
+            </a:extLst>
+          </p:cNvPr>
+          <p:cNvCxnSpPr>
+            <a:cxnSpLocks/>
+          </p:cNvCxnSpPr>
+          <p:nvPr/>
+        </p:nvCxnSpPr>
+        <p:spPr>
+          <a:xfrm>
+            <a:off x="5467896" y="2632151"/>
+            <a:ext cx="2280616" cy="0"/>
+          </a:xfrm>
+          <a:prstGeom prst="straightConnector1">
+            <a:avLst/>
+          </a:prstGeom>
+          <a:ln w="19050">
+            <a:solidFill>
+              <a:srgbClr val="0070C0"/>
+            </a:solidFill>
+            <a:prstDash val="sysDash"/>
+            <a:headEnd type="arrow" w="med" len="med"/>
+            <a:tailEnd type="none" w="med" len="med"/>
+          </a:ln>
+        </p:spPr>
+        <p:style>
+          <a:lnRef idx="1">
+            <a:schemeClr val="accent1"/>
+          </a:lnRef>
+          <a:fillRef idx="0">
+            <a:schemeClr val="accent1"/>
+          </a:fillRef>
+          <a:effectRef idx="0">
+            <a:schemeClr val="accent1"/>
+          </a:effectRef>
+          <a:fontRef idx="minor">
+            <a:schemeClr val="tx1"/>
+          </a:fontRef>
+        </p:style>
+      </p:cxnSp>
     </p:spTree>
     <p:extLst>
       <p:ext uri="{BB962C8B-B14F-4D97-AF65-F5344CB8AC3E}">
